--- a/examples/neural_network.pptx
+++ b/examples/neural_network.pptx
@@ -2962,7 +2962,7 @@
 </file>
 
 <file path=ppt/slides/slide1.xml><?xml version="1.0" encoding="utf-8"?>
-<p:sld xmlns:a="http://schemas.openxmlformats.org/drawingml/2006/main" xmlns:ns2="http://schemas.microsoft.com/office/powerpoint/2010/main" xmlns:p="http://schemas.openxmlformats.org/presentationml/2006/main">
+<p:sld xmlns:a="http://schemas.openxmlformats.org/drawingml/2006/main" xmlns:r="http://schemas.openxmlformats.org/officeDocument/2006/relationships" xmlns:p="http://schemas.openxmlformats.org/presentationml/2006/main">
   <p:cSld>
     <p:spTree>
       <p:nvGrpSpPr>
@@ -2980,7 +2980,7 @@
       </p:grpSpPr>
       <p:grpSp>
         <p:nvGrpSpPr>
-          <p:cNvPr id="2" name="Group 2"/>
+          <p:cNvPr id="1" name="Group 1"/>
           <p:cNvGrpSpPr/>
           <p:nvPr/>
         </p:nvGrpSpPr>
@@ -2994,7 +2994,7 @@
         </p:grpSpPr>
         <p:cxnSp>
           <p:nvCxnSpPr>
-            <p:cNvPr id="3" name="Line 3"/>
+            <p:cNvPr id="2" name="Line 2"/>
             <p:cNvCxnSpPr/>
             <p:nvPr/>
           </p:nvCxnSpPr>
@@ -3015,7 +3015,7 @@
         </p:cxnSp>
         <p:cxnSp>
           <p:nvCxnSpPr>
-            <p:cNvPr id="4" name="Line 4"/>
+            <p:cNvPr id="3" name="Line 3"/>
             <p:cNvCxnSpPr/>
             <p:nvPr/>
           </p:nvCxnSpPr>
@@ -3036,7 +3036,7 @@
         </p:cxnSp>
         <p:cxnSp>
           <p:nvCxnSpPr>
-            <p:cNvPr id="5" name="Line 5"/>
+            <p:cNvPr id="4" name="Line 4"/>
             <p:cNvCxnSpPr/>
             <p:nvPr/>
           </p:nvCxnSpPr>
@@ -3057,7 +3057,7 @@
         </p:cxnSp>
         <p:cxnSp>
           <p:nvCxnSpPr>
-            <p:cNvPr id="6" name="Line 6"/>
+            <p:cNvPr id="5" name="Line 5"/>
             <p:cNvCxnSpPr/>
             <p:nvPr/>
           </p:nvCxnSpPr>
@@ -3078,7 +3078,7 @@
         </p:cxnSp>
         <p:cxnSp>
           <p:nvCxnSpPr>
-            <p:cNvPr id="7" name="Line 7"/>
+            <p:cNvPr id="6" name="Line 6"/>
             <p:cNvCxnSpPr/>
             <p:nvPr/>
           </p:nvCxnSpPr>
@@ -3099,7 +3099,7 @@
         </p:cxnSp>
         <p:cxnSp>
           <p:nvCxnSpPr>
-            <p:cNvPr id="8" name="Line 8"/>
+            <p:cNvPr id="7" name="Line 7"/>
             <p:cNvCxnSpPr/>
             <p:nvPr/>
           </p:nvCxnSpPr>
@@ -3120,7 +3120,7 @@
         </p:cxnSp>
         <p:cxnSp>
           <p:nvCxnSpPr>
-            <p:cNvPr id="9" name="Line 9"/>
+            <p:cNvPr id="8" name="Line 8"/>
             <p:cNvCxnSpPr/>
             <p:nvPr/>
           </p:nvCxnSpPr>
@@ -3141,7 +3141,7 @@
         </p:cxnSp>
         <p:cxnSp>
           <p:nvCxnSpPr>
-            <p:cNvPr id="10" name="Line 10"/>
+            <p:cNvPr id="9" name="Line 9"/>
             <p:cNvCxnSpPr/>
             <p:nvPr/>
           </p:nvCxnSpPr>
@@ -3162,7 +3162,7 @@
         </p:cxnSp>
         <p:cxnSp>
           <p:nvCxnSpPr>
-            <p:cNvPr id="11" name="Line 11"/>
+            <p:cNvPr id="10" name="Line 10"/>
             <p:cNvCxnSpPr/>
             <p:nvPr/>
           </p:nvCxnSpPr>
@@ -3183,7 +3183,7 @@
         </p:cxnSp>
         <p:cxnSp>
           <p:nvCxnSpPr>
-            <p:cNvPr id="12" name="Line 12"/>
+            <p:cNvPr id="11" name="Line 11"/>
             <p:cNvCxnSpPr/>
             <p:nvPr/>
           </p:nvCxnSpPr>
@@ -3204,7 +3204,7 @@
         </p:cxnSp>
         <p:cxnSp>
           <p:nvCxnSpPr>
-            <p:cNvPr id="13" name="Line 13"/>
+            <p:cNvPr id="12" name="Line 12"/>
             <p:cNvCxnSpPr/>
             <p:nvPr/>
           </p:nvCxnSpPr>
@@ -3225,7 +3225,7 @@
         </p:cxnSp>
         <p:cxnSp>
           <p:nvCxnSpPr>
-            <p:cNvPr id="14" name="Line 14"/>
+            <p:cNvPr id="13" name="Line 13"/>
             <p:cNvCxnSpPr/>
             <p:nvPr/>
           </p:nvCxnSpPr>
@@ -3246,7 +3246,7 @@
         </p:cxnSp>
         <p:cxnSp>
           <p:nvCxnSpPr>
-            <p:cNvPr id="15" name="Line 15"/>
+            <p:cNvPr id="14" name="Line 14"/>
             <p:cNvCxnSpPr/>
             <p:nvPr/>
           </p:nvCxnSpPr>
@@ -3267,7 +3267,7 @@
         </p:cxnSp>
         <p:cxnSp>
           <p:nvCxnSpPr>
-            <p:cNvPr id="16" name="Line 16"/>
+            <p:cNvPr id="15" name="Line 15"/>
             <p:cNvCxnSpPr/>
             <p:nvPr/>
           </p:nvCxnSpPr>
@@ -3288,7 +3288,7 @@
         </p:cxnSp>
         <p:cxnSp>
           <p:nvCxnSpPr>
-            <p:cNvPr id="17" name="Line 17"/>
+            <p:cNvPr id="16" name="Line 16"/>
             <p:cNvCxnSpPr/>
             <p:nvPr/>
           </p:nvCxnSpPr>
@@ -3309,7 +3309,7 @@
         </p:cxnSp>
         <p:cxnSp>
           <p:nvCxnSpPr>
-            <p:cNvPr id="18" name="Line 18"/>
+            <p:cNvPr id="17" name="Line 17"/>
             <p:cNvCxnSpPr/>
             <p:nvPr/>
           </p:nvCxnSpPr>
@@ -3330,7 +3330,7 @@
         </p:cxnSp>
         <p:cxnSp>
           <p:nvCxnSpPr>
-            <p:cNvPr id="19" name="Line 19"/>
+            <p:cNvPr id="18" name="Line 18"/>
             <p:cNvCxnSpPr/>
             <p:nvPr/>
           </p:nvCxnSpPr>
@@ -3351,7 +3351,7 @@
         </p:cxnSp>
         <p:cxnSp>
           <p:nvCxnSpPr>
-            <p:cNvPr id="20" name="Line 20"/>
+            <p:cNvPr id="19" name="Line 19"/>
             <p:cNvCxnSpPr/>
             <p:nvPr/>
           </p:nvCxnSpPr>
@@ -3372,7 +3372,7 @@
         </p:cxnSp>
         <p:cxnSp>
           <p:nvCxnSpPr>
-            <p:cNvPr id="21" name="Line 21"/>
+            <p:cNvPr id="20" name="Line 20"/>
             <p:cNvCxnSpPr/>
             <p:nvPr/>
           </p:nvCxnSpPr>
@@ -3393,7 +3393,7 @@
         </p:cxnSp>
         <p:cxnSp>
           <p:nvCxnSpPr>
-            <p:cNvPr id="22" name="Line 22"/>
+            <p:cNvPr id="21" name="Line 21"/>
             <p:cNvCxnSpPr/>
             <p:nvPr/>
           </p:nvCxnSpPr>
@@ -3414,7 +3414,7 @@
         </p:cxnSp>
         <p:cxnSp>
           <p:nvCxnSpPr>
-            <p:cNvPr id="23" name="Line 23"/>
+            <p:cNvPr id="22" name="Line 22"/>
             <p:cNvCxnSpPr/>
             <p:nvPr/>
           </p:nvCxnSpPr>
@@ -3435,7 +3435,7 @@
         </p:cxnSp>
         <p:cxnSp>
           <p:nvCxnSpPr>
-            <p:cNvPr id="24" name="Line 24"/>
+            <p:cNvPr id="23" name="Line 23"/>
             <p:cNvCxnSpPr/>
             <p:nvPr/>
           </p:nvCxnSpPr>
@@ -3456,7 +3456,7 @@
         </p:cxnSp>
         <p:cxnSp>
           <p:nvCxnSpPr>
-            <p:cNvPr id="25" name="Line 25"/>
+            <p:cNvPr id="24" name="Line 24"/>
             <p:cNvCxnSpPr/>
             <p:nvPr/>
           </p:nvCxnSpPr>
@@ -3477,7 +3477,7 @@
         </p:cxnSp>
         <p:cxnSp>
           <p:nvCxnSpPr>
-            <p:cNvPr id="26" name="Line 26"/>
+            <p:cNvPr id="25" name="Line 25"/>
             <p:cNvCxnSpPr/>
             <p:nvPr/>
           </p:nvCxnSpPr>
@@ -3498,7 +3498,7 @@
         </p:cxnSp>
         <p:cxnSp>
           <p:nvCxnSpPr>
-            <p:cNvPr id="27" name="Line 27"/>
+            <p:cNvPr id="26" name="Line 26"/>
             <p:cNvCxnSpPr/>
             <p:nvPr/>
           </p:nvCxnSpPr>
@@ -3519,7 +3519,7 @@
         </p:cxnSp>
         <p:cxnSp>
           <p:nvCxnSpPr>
-            <p:cNvPr id="28" name="Line 28"/>
+            <p:cNvPr id="27" name="Line 27"/>
             <p:cNvCxnSpPr/>
             <p:nvPr/>
           </p:nvCxnSpPr>
@@ -3540,7 +3540,7 @@
         </p:cxnSp>
         <p:cxnSp>
           <p:nvCxnSpPr>
-            <p:cNvPr id="29" name="Line 29"/>
+            <p:cNvPr id="28" name="Line 28"/>
             <p:cNvCxnSpPr/>
             <p:nvPr/>
           </p:nvCxnSpPr>
@@ -3561,7 +3561,7 @@
         </p:cxnSp>
         <p:cxnSp>
           <p:nvCxnSpPr>
-            <p:cNvPr id="30" name="Line 30"/>
+            <p:cNvPr id="29" name="Line 29"/>
             <p:cNvCxnSpPr/>
             <p:nvPr/>
           </p:nvCxnSpPr>
@@ -3582,7 +3582,7 @@
         </p:cxnSp>
         <p:cxnSp>
           <p:nvCxnSpPr>
-            <p:cNvPr id="31" name="Line 31"/>
+            <p:cNvPr id="30" name="Line 30"/>
             <p:cNvCxnSpPr/>
             <p:nvPr/>
           </p:nvCxnSpPr>
@@ -3603,7 +3603,7 @@
         </p:cxnSp>
         <p:cxnSp>
           <p:nvCxnSpPr>
-            <p:cNvPr id="32" name="Line 32"/>
+            <p:cNvPr id="31" name="Line 31"/>
             <p:cNvCxnSpPr/>
             <p:nvPr/>
           </p:nvCxnSpPr>
@@ -3624,7 +3624,7 @@
         </p:cxnSp>
         <p:cxnSp>
           <p:nvCxnSpPr>
-            <p:cNvPr id="33" name="Line 33"/>
+            <p:cNvPr id="32" name="Line 32"/>
             <p:cNvCxnSpPr/>
             <p:nvPr/>
           </p:nvCxnSpPr>
@@ -3645,7 +3645,7 @@
         </p:cxnSp>
         <p:cxnSp>
           <p:nvCxnSpPr>
-            <p:cNvPr id="34" name="Line 34"/>
+            <p:cNvPr id="33" name="Line 33"/>
             <p:cNvCxnSpPr/>
             <p:nvPr/>
           </p:nvCxnSpPr>
@@ -3666,7 +3666,7 @@
         </p:cxnSp>
         <p:cxnSp>
           <p:nvCxnSpPr>
-            <p:cNvPr id="35" name="Line 35"/>
+            <p:cNvPr id="34" name="Line 34"/>
             <p:cNvCxnSpPr/>
             <p:nvPr/>
           </p:nvCxnSpPr>
@@ -3687,7 +3687,7 @@
         </p:cxnSp>
         <p:cxnSp>
           <p:nvCxnSpPr>
-            <p:cNvPr id="36" name="Line 36"/>
+            <p:cNvPr id="35" name="Line 35"/>
             <p:cNvCxnSpPr/>
             <p:nvPr/>
           </p:nvCxnSpPr>
@@ -3708,7 +3708,7 @@
         </p:cxnSp>
         <p:cxnSp>
           <p:nvCxnSpPr>
-            <p:cNvPr id="37" name="Line 37"/>
+            <p:cNvPr id="36" name="Line 36"/>
             <p:cNvCxnSpPr/>
             <p:nvPr/>
           </p:nvCxnSpPr>
@@ -3729,7 +3729,7 @@
         </p:cxnSp>
         <p:cxnSp>
           <p:nvCxnSpPr>
-            <p:cNvPr id="38" name="Line 38"/>
+            <p:cNvPr id="37" name="Line 37"/>
             <p:cNvCxnSpPr/>
             <p:nvPr/>
           </p:nvCxnSpPr>
@@ -3750,7 +3750,7 @@
         </p:cxnSp>
         <p:cxnSp>
           <p:nvCxnSpPr>
-            <p:cNvPr id="39" name="Line 39"/>
+            <p:cNvPr id="38" name="Line 38"/>
             <p:cNvCxnSpPr/>
             <p:nvPr/>
           </p:nvCxnSpPr>
@@ -3771,7 +3771,7 @@
         </p:cxnSp>
         <p:cxnSp>
           <p:nvCxnSpPr>
-            <p:cNvPr id="40" name="Line 40"/>
+            <p:cNvPr id="39" name="Line 39"/>
             <p:cNvCxnSpPr/>
             <p:nvPr/>
           </p:nvCxnSpPr>
@@ -3792,7 +3792,7 @@
         </p:cxnSp>
         <p:cxnSp>
           <p:nvCxnSpPr>
-            <p:cNvPr id="41" name="Line 41"/>
+            <p:cNvPr id="40" name="Line 40"/>
             <p:cNvCxnSpPr/>
             <p:nvPr/>
           </p:nvCxnSpPr>
@@ -3813,7 +3813,7 @@
         </p:cxnSp>
         <p:cxnSp>
           <p:nvCxnSpPr>
-            <p:cNvPr id="42" name="Line 42"/>
+            <p:cNvPr id="41" name="Line 41"/>
             <p:cNvCxnSpPr/>
             <p:nvPr/>
           </p:nvCxnSpPr>
@@ -3834,7 +3834,7 @@
         </p:cxnSp>
         <p:cxnSp>
           <p:nvCxnSpPr>
-            <p:cNvPr id="43" name="Line 43"/>
+            <p:cNvPr id="42" name="Line 42"/>
             <p:cNvCxnSpPr/>
             <p:nvPr/>
           </p:nvCxnSpPr>
@@ -3855,7 +3855,7 @@
         </p:cxnSp>
         <p:cxnSp>
           <p:nvCxnSpPr>
-            <p:cNvPr id="44" name="Line 44"/>
+            <p:cNvPr id="43" name="Line 43"/>
             <p:cNvCxnSpPr/>
             <p:nvPr/>
           </p:nvCxnSpPr>
@@ -3876,7 +3876,7 @@
         </p:cxnSp>
         <p:cxnSp>
           <p:nvCxnSpPr>
-            <p:cNvPr id="45" name="Line 45"/>
+            <p:cNvPr id="44" name="Line 44"/>
             <p:cNvCxnSpPr/>
             <p:nvPr/>
           </p:nvCxnSpPr>
@@ -3897,7 +3897,7 @@
         </p:cxnSp>
         <p:cxnSp>
           <p:nvCxnSpPr>
-            <p:cNvPr id="46" name="Line 46"/>
+            <p:cNvPr id="45" name="Line 45"/>
             <p:cNvCxnSpPr/>
             <p:nvPr/>
           </p:nvCxnSpPr>
@@ -3918,7 +3918,7 @@
         </p:cxnSp>
         <p:cxnSp>
           <p:nvCxnSpPr>
-            <p:cNvPr id="47" name="Line 47"/>
+            <p:cNvPr id="46" name="Line 46"/>
             <p:cNvCxnSpPr/>
             <p:nvPr/>
           </p:nvCxnSpPr>
@@ -3939,7 +3939,7 @@
         </p:cxnSp>
         <p:cxnSp>
           <p:nvCxnSpPr>
-            <p:cNvPr id="48" name="Line 48"/>
+            <p:cNvPr id="47" name="Line 47"/>
             <p:cNvCxnSpPr/>
             <p:nvPr/>
           </p:nvCxnSpPr>
@@ -3960,7 +3960,7 @@
         </p:cxnSp>
         <p:cxnSp>
           <p:nvCxnSpPr>
-            <p:cNvPr id="49" name="Line 49"/>
+            <p:cNvPr id="48" name="Line 48"/>
             <p:cNvCxnSpPr/>
             <p:nvPr/>
           </p:nvCxnSpPr>
@@ -3981,7 +3981,7 @@
         </p:cxnSp>
         <p:cxnSp>
           <p:nvCxnSpPr>
-            <p:cNvPr id="50" name="Line 50"/>
+            <p:cNvPr id="49" name="Line 49"/>
             <p:cNvCxnSpPr/>
             <p:nvPr/>
           </p:nvCxnSpPr>
@@ -4002,7 +4002,7 @@
         </p:cxnSp>
         <p:cxnSp>
           <p:nvCxnSpPr>
-            <p:cNvPr id="51" name="Line 51"/>
+            <p:cNvPr id="50" name="Line 50"/>
             <p:cNvCxnSpPr/>
             <p:nvPr/>
           </p:nvCxnSpPr>
@@ -4023,7 +4023,7 @@
         </p:cxnSp>
         <p:cxnSp>
           <p:nvCxnSpPr>
-            <p:cNvPr id="52" name="Line 52"/>
+            <p:cNvPr id="51" name="Line 51"/>
             <p:cNvCxnSpPr/>
             <p:nvPr/>
           </p:nvCxnSpPr>
@@ -4044,7 +4044,7 @@
         </p:cxnSp>
         <p:cxnSp>
           <p:nvCxnSpPr>
-            <p:cNvPr id="53" name="Line 53"/>
+            <p:cNvPr id="52" name="Line 52"/>
             <p:cNvCxnSpPr/>
             <p:nvPr/>
           </p:nvCxnSpPr>
@@ -4065,7 +4065,7 @@
         </p:cxnSp>
         <p:cxnSp>
           <p:nvCxnSpPr>
-            <p:cNvPr id="54" name="Line 54"/>
+            <p:cNvPr id="53" name="Line 53"/>
             <p:cNvCxnSpPr/>
             <p:nvPr/>
           </p:nvCxnSpPr>
@@ -4086,7 +4086,7 @@
         </p:cxnSp>
         <p:cxnSp>
           <p:nvCxnSpPr>
-            <p:cNvPr id="55" name="Line 55"/>
+            <p:cNvPr id="54" name="Line 54"/>
             <p:cNvCxnSpPr/>
             <p:nvPr/>
           </p:nvCxnSpPr>
@@ -4107,7 +4107,7 @@
         </p:cxnSp>
         <p:cxnSp>
           <p:nvCxnSpPr>
-            <p:cNvPr id="56" name="Line 56"/>
+            <p:cNvPr id="55" name="Line 55"/>
             <p:cNvCxnSpPr/>
             <p:nvPr/>
           </p:nvCxnSpPr>
@@ -4128,7 +4128,7 @@
         </p:cxnSp>
         <p:cxnSp>
           <p:nvCxnSpPr>
-            <p:cNvPr id="57" name="Line 57"/>
+            <p:cNvPr id="56" name="Line 56"/>
             <p:cNvCxnSpPr/>
             <p:nvPr/>
           </p:nvCxnSpPr>
@@ -4149,7 +4149,7 @@
         </p:cxnSp>
         <p:cxnSp>
           <p:nvCxnSpPr>
-            <p:cNvPr id="58" name="Line 58"/>
+            <p:cNvPr id="57" name="Line 57"/>
             <p:cNvCxnSpPr/>
             <p:nvPr/>
           </p:nvCxnSpPr>
@@ -4170,7 +4170,7 @@
         </p:cxnSp>
         <p:cxnSp>
           <p:nvCxnSpPr>
-            <p:cNvPr id="59" name="Line 59"/>
+            <p:cNvPr id="58" name="Line 58"/>
             <p:cNvCxnSpPr/>
             <p:nvPr/>
           </p:nvCxnSpPr>
@@ -4191,7 +4191,7 @@
         </p:cxnSp>
         <p:cxnSp>
           <p:nvCxnSpPr>
-            <p:cNvPr id="60" name="Line 60"/>
+            <p:cNvPr id="59" name="Line 59"/>
             <p:cNvCxnSpPr/>
             <p:nvPr/>
           </p:nvCxnSpPr>
@@ -4212,7 +4212,7 @@
         </p:cxnSp>
         <p:cxnSp>
           <p:nvCxnSpPr>
-            <p:cNvPr id="61" name="Line 61"/>
+            <p:cNvPr id="60" name="Line 60"/>
             <p:cNvCxnSpPr/>
             <p:nvPr/>
           </p:nvCxnSpPr>
@@ -4233,7 +4233,7 @@
         </p:cxnSp>
         <p:cxnSp>
           <p:nvCxnSpPr>
-            <p:cNvPr id="62" name="Line 62"/>
+            <p:cNvPr id="61" name="Line 61"/>
             <p:cNvCxnSpPr/>
             <p:nvPr/>
           </p:nvCxnSpPr>
@@ -4254,7 +4254,7 @@
         </p:cxnSp>
         <p:cxnSp>
           <p:nvCxnSpPr>
-            <p:cNvPr id="63" name="Line 63"/>
+            <p:cNvPr id="62" name="Line 62"/>
             <p:cNvCxnSpPr/>
             <p:nvPr/>
           </p:nvCxnSpPr>
@@ -4275,7 +4275,7 @@
         </p:cxnSp>
         <p:cxnSp>
           <p:nvCxnSpPr>
-            <p:cNvPr id="64" name="Line 64"/>
+            <p:cNvPr id="63" name="Line 63"/>
             <p:cNvCxnSpPr/>
             <p:nvPr/>
           </p:nvCxnSpPr>
@@ -4296,7 +4296,7 @@
         </p:cxnSp>
         <p:cxnSp>
           <p:nvCxnSpPr>
-            <p:cNvPr id="65" name="Line 65"/>
+            <p:cNvPr id="64" name="Line 64"/>
             <p:cNvCxnSpPr/>
             <p:nvPr/>
           </p:nvCxnSpPr>
@@ -4317,7 +4317,7 @@
         </p:cxnSp>
         <p:cxnSp>
           <p:nvCxnSpPr>
-            <p:cNvPr id="66" name="Line 66"/>
+            <p:cNvPr id="65" name="Line 65"/>
             <p:cNvCxnSpPr/>
             <p:nvPr/>
           </p:nvCxnSpPr>
@@ -4338,7 +4338,7 @@
         </p:cxnSp>
         <p:cxnSp>
           <p:nvCxnSpPr>
-            <p:cNvPr id="67" name="Line 67"/>
+            <p:cNvPr id="66" name="Line 66"/>
             <p:cNvCxnSpPr/>
             <p:nvPr/>
           </p:nvCxnSpPr>
@@ -4359,7 +4359,7 @@
         </p:cxnSp>
         <p:cxnSp>
           <p:nvCxnSpPr>
-            <p:cNvPr id="68" name="Line 68"/>
+            <p:cNvPr id="67" name="Line 67"/>
             <p:cNvCxnSpPr/>
             <p:nvPr/>
           </p:nvCxnSpPr>
@@ -4380,7 +4380,7 @@
         </p:cxnSp>
         <p:cxnSp>
           <p:nvCxnSpPr>
-            <p:cNvPr id="69" name="Line 69"/>
+            <p:cNvPr id="68" name="Line 68"/>
             <p:cNvCxnSpPr/>
             <p:nvPr/>
           </p:nvCxnSpPr>
@@ -4401,7 +4401,7 @@
         </p:cxnSp>
         <p:cxnSp>
           <p:nvCxnSpPr>
-            <p:cNvPr id="70" name="Line 70"/>
+            <p:cNvPr id="69" name="Line 69"/>
             <p:cNvCxnSpPr/>
             <p:nvPr/>
           </p:nvCxnSpPr>
@@ -4422,7 +4422,7 @@
         </p:cxnSp>
         <p:cxnSp>
           <p:nvCxnSpPr>
-            <p:cNvPr id="71" name="Line 71"/>
+            <p:cNvPr id="70" name="Line 70"/>
             <p:cNvCxnSpPr/>
             <p:nvPr/>
           </p:nvCxnSpPr>
@@ -4443,7 +4443,7 @@
         </p:cxnSp>
         <p:cxnSp>
           <p:nvCxnSpPr>
-            <p:cNvPr id="72" name="Line 72"/>
+            <p:cNvPr id="71" name="Line 71"/>
             <p:cNvCxnSpPr/>
             <p:nvPr/>
           </p:nvCxnSpPr>
@@ -4464,7 +4464,7 @@
         </p:cxnSp>
         <p:cxnSp>
           <p:nvCxnSpPr>
-            <p:cNvPr id="73" name="Line 73"/>
+            <p:cNvPr id="72" name="Line 72"/>
             <p:cNvCxnSpPr/>
             <p:nvPr/>
           </p:nvCxnSpPr>
@@ -4485,7 +4485,7 @@
         </p:cxnSp>
         <p:cxnSp>
           <p:nvCxnSpPr>
-            <p:cNvPr id="74" name="Line 74"/>
+            <p:cNvPr id="73" name="Line 73"/>
             <p:cNvCxnSpPr/>
             <p:nvPr/>
           </p:nvCxnSpPr>
@@ -4506,7 +4506,7 @@
         </p:cxnSp>
         <p:cxnSp>
           <p:nvCxnSpPr>
-            <p:cNvPr id="75" name="Line 75"/>
+            <p:cNvPr id="74" name="Line 74"/>
             <p:cNvCxnSpPr/>
             <p:nvPr/>
           </p:nvCxnSpPr>
@@ -4527,7 +4527,7 @@
         </p:cxnSp>
         <p:cxnSp>
           <p:nvCxnSpPr>
-            <p:cNvPr id="76" name="Line 76"/>
+            <p:cNvPr id="75" name="Line 75"/>
             <p:cNvCxnSpPr/>
             <p:nvPr/>
           </p:nvCxnSpPr>
@@ -4548,7 +4548,7 @@
         </p:cxnSp>
         <p:cxnSp>
           <p:nvCxnSpPr>
-            <p:cNvPr id="77" name="Line 77"/>
+            <p:cNvPr id="76" name="Line 76"/>
             <p:cNvCxnSpPr/>
             <p:nvPr/>
           </p:nvCxnSpPr>
@@ -4569,7 +4569,7 @@
         </p:cxnSp>
         <p:cxnSp>
           <p:nvCxnSpPr>
-            <p:cNvPr id="78" name="Line 78"/>
+            <p:cNvPr id="77" name="Line 77"/>
             <p:cNvCxnSpPr/>
             <p:nvPr/>
           </p:nvCxnSpPr>
@@ -4590,7 +4590,7 @@
         </p:cxnSp>
         <p:cxnSp>
           <p:nvCxnSpPr>
-            <p:cNvPr id="79" name="Line 79"/>
+            <p:cNvPr id="78" name="Line 78"/>
             <p:cNvCxnSpPr/>
             <p:nvPr/>
           </p:nvCxnSpPr>
@@ -4611,7 +4611,7 @@
         </p:cxnSp>
         <p:cxnSp>
           <p:nvCxnSpPr>
-            <p:cNvPr id="80" name="Line 80"/>
+            <p:cNvPr id="79" name="Line 79"/>
             <p:cNvCxnSpPr/>
             <p:nvPr/>
           </p:nvCxnSpPr>
@@ -4632,7 +4632,7 @@
         </p:cxnSp>
         <p:cxnSp>
           <p:nvCxnSpPr>
-            <p:cNvPr id="81" name="Line 81"/>
+            <p:cNvPr id="80" name="Line 80"/>
             <p:cNvCxnSpPr/>
             <p:nvPr/>
           </p:nvCxnSpPr>
@@ -4653,7 +4653,7 @@
         </p:cxnSp>
         <p:cxnSp>
           <p:nvCxnSpPr>
-            <p:cNvPr id="82" name="Line 82"/>
+            <p:cNvPr id="81" name="Line 81"/>
             <p:cNvCxnSpPr/>
             <p:nvPr/>
           </p:nvCxnSpPr>
@@ -4674,7 +4674,7 @@
         </p:cxnSp>
         <p:cxnSp>
           <p:nvCxnSpPr>
-            <p:cNvPr id="83" name="Line 83"/>
+            <p:cNvPr id="82" name="Line 82"/>
             <p:cNvCxnSpPr/>
             <p:nvPr/>
           </p:nvCxnSpPr>
@@ -4695,7 +4695,7 @@
         </p:cxnSp>
         <p:cxnSp>
           <p:nvCxnSpPr>
-            <p:cNvPr id="84" name="Line 84"/>
+            <p:cNvPr id="83" name="Line 83"/>
             <p:cNvCxnSpPr/>
             <p:nvPr/>
           </p:nvCxnSpPr>
@@ -4716,7 +4716,7 @@
         </p:cxnSp>
         <p:cxnSp>
           <p:nvCxnSpPr>
-            <p:cNvPr id="85" name="Line 85"/>
+            <p:cNvPr id="84" name="Line 84"/>
             <p:cNvCxnSpPr/>
             <p:nvPr/>
           </p:nvCxnSpPr>
@@ -4737,7 +4737,7 @@
         </p:cxnSp>
         <p:cxnSp>
           <p:nvCxnSpPr>
-            <p:cNvPr id="86" name="Line 86"/>
+            <p:cNvPr id="85" name="Line 85"/>
             <p:cNvCxnSpPr/>
             <p:nvPr/>
           </p:nvCxnSpPr>
@@ -4758,7 +4758,7 @@
         </p:cxnSp>
         <p:cxnSp>
           <p:nvCxnSpPr>
-            <p:cNvPr id="87" name="Line 87"/>
+            <p:cNvPr id="86" name="Line 86"/>
             <p:cNvCxnSpPr/>
             <p:nvPr/>
           </p:nvCxnSpPr>
@@ -4779,7 +4779,7 @@
         </p:cxnSp>
         <p:cxnSp>
           <p:nvCxnSpPr>
-            <p:cNvPr id="88" name="Line 88"/>
+            <p:cNvPr id="87" name="Line 87"/>
             <p:cNvCxnSpPr/>
             <p:nvPr/>
           </p:nvCxnSpPr>
@@ -4800,7 +4800,7 @@
         </p:cxnSp>
         <p:cxnSp>
           <p:nvCxnSpPr>
-            <p:cNvPr id="89" name="Line 89"/>
+            <p:cNvPr id="88" name="Line 88"/>
             <p:cNvCxnSpPr/>
             <p:nvPr/>
           </p:nvCxnSpPr>
@@ -4821,7 +4821,7 @@
         </p:cxnSp>
         <p:cxnSp>
           <p:nvCxnSpPr>
-            <p:cNvPr id="90" name="Line 90"/>
+            <p:cNvPr id="89" name="Line 89"/>
             <p:cNvCxnSpPr/>
             <p:nvPr/>
           </p:nvCxnSpPr>
@@ -4842,7 +4842,7 @@
         </p:cxnSp>
         <p:cxnSp>
           <p:nvCxnSpPr>
-            <p:cNvPr id="91" name="Line 91"/>
+            <p:cNvPr id="90" name="Line 90"/>
             <p:cNvCxnSpPr/>
             <p:nvPr/>
           </p:nvCxnSpPr>
@@ -4863,7 +4863,7 @@
         </p:cxnSp>
         <p:cxnSp>
           <p:nvCxnSpPr>
-            <p:cNvPr id="92" name="Line 92"/>
+            <p:cNvPr id="91" name="Line 91"/>
             <p:cNvCxnSpPr/>
             <p:nvPr/>
           </p:nvCxnSpPr>
@@ -4884,7 +4884,7 @@
         </p:cxnSp>
         <p:cxnSp>
           <p:nvCxnSpPr>
-            <p:cNvPr id="93" name="Line 93"/>
+            <p:cNvPr id="92" name="Line 92"/>
             <p:cNvCxnSpPr/>
             <p:nvPr/>
           </p:nvCxnSpPr>
@@ -4905,7 +4905,7 @@
         </p:cxnSp>
         <p:cxnSp>
           <p:nvCxnSpPr>
-            <p:cNvPr id="94" name="Line 94"/>
+            <p:cNvPr id="93" name="Line 93"/>
             <p:cNvCxnSpPr/>
             <p:nvPr/>
           </p:nvCxnSpPr>
@@ -4926,7 +4926,7 @@
         </p:cxnSp>
         <p:cxnSp>
           <p:nvCxnSpPr>
-            <p:cNvPr id="95" name="Line 95"/>
+            <p:cNvPr id="94" name="Line 94"/>
             <p:cNvCxnSpPr/>
             <p:nvPr/>
           </p:nvCxnSpPr>
@@ -4947,7 +4947,7 @@
         </p:cxnSp>
         <p:cxnSp>
           <p:nvCxnSpPr>
-            <p:cNvPr id="96" name="Line 96"/>
+            <p:cNvPr id="95" name="Line 95"/>
             <p:cNvCxnSpPr/>
             <p:nvPr/>
           </p:nvCxnSpPr>
@@ -4968,7 +4968,7 @@
         </p:cxnSp>
         <p:cxnSp>
           <p:nvCxnSpPr>
-            <p:cNvPr id="97" name="Line 97"/>
+            <p:cNvPr id="96" name="Line 96"/>
             <p:cNvCxnSpPr/>
             <p:nvPr/>
           </p:nvCxnSpPr>
@@ -4989,7 +4989,7 @@
         </p:cxnSp>
         <p:cxnSp>
           <p:nvCxnSpPr>
-            <p:cNvPr id="98" name="Line 98"/>
+            <p:cNvPr id="97" name="Line 97"/>
             <p:cNvCxnSpPr/>
             <p:nvPr/>
           </p:nvCxnSpPr>
@@ -5010,7 +5010,7 @@
         </p:cxnSp>
         <p:cxnSp>
           <p:nvCxnSpPr>
-            <p:cNvPr id="99" name="Line 99"/>
+            <p:cNvPr id="98" name="Line 98"/>
             <p:cNvCxnSpPr/>
             <p:nvPr/>
           </p:nvCxnSpPr>
@@ -5031,7 +5031,7 @@
         </p:cxnSp>
         <p:cxnSp>
           <p:nvCxnSpPr>
-            <p:cNvPr id="100" name="Line 100"/>
+            <p:cNvPr id="99" name="Line 99"/>
             <p:cNvCxnSpPr/>
             <p:nvPr/>
           </p:nvCxnSpPr>
@@ -5052,7 +5052,7 @@
         </p:cxnSp>
         <p:cxnSp>
           <p:nvCxnSpPr>
-            <p:cNvPr id="101" name="Line 101"/>
+            <p:cNvPr id="100" name="Line 100"/>
             <p:cNvCxnSpPr/>
             <p:nvPr/>
           </p:nvCxnSpPr>
@@ -5073,7 +5073,7 @@
         </p:cxnSp>
         <p:cxnSp>
           <p:nvCxnSpPr>
-            <p:cNvPr id="102" name="Line 102"/>
+            <p:cNvPr id="101" name="Line 101"/>
             <p:cNvCxnSpPr/>
             <p:nvPr/>
           </p:nvCxnSpPr>
@@ -5094,7 +5094,7 @@
         </p:cxnSp>
         <p:cxnSp>
           <p:nvCxnSpPr>
-            <p:cNvPr id="103" name="Line 103"/>
+            <p:cNvPr id="102" name="Line 102"/>
             <p:cNvCxnSpPr/>
             <p:nvPr/>
           </p:nvCxnSpPr>
@@ -5115,7 +5115,7 @@
         </p:cxnSp>
         <p:sp>
           <p:nvSpPr>
-            <p:cNvPr id="104" name="Ellipse 104"/>
+            <p:cNvPr id="103" name="Ellipse 103"/>
             <p:cNvSpPr/>
             <p:nvPr/>
           </p:nvSpPr>
@@ -5139,7 +5139,7 @@
         </p:sp>
         <p:sp>
           <p:nvSpPr>
-            <p:cNvPr id="105" name="TextBox 105"/>
+            <p:cNvPr id="104" name="TextBox 104"/>
             <p:cNvSpPr txBox="1"/>
             <p:nvPr/>
           </p:nvSpPr>
@@ -5169,7 +5169,7 @@
         </p:sp>
         <p:sp>
           <p:nvSpPr>
-            <p:cNvPr id="106" name="Ellipse 106"/>
+            <p:cNvPr id="105" name="Ellipse 105"/>
             <p:cNvSpPr/>
             <p:nvPr/>
           </p:nvSpPr>
@@ -5193,7 +5193,7 @@
         </p:sp>
         <p:sp>
           <p:nvSpPr>
-            <p:cNvPr id="107" name="TextBox 107"/>
+            <p:cNvPr id="106" name="TextBox 106"/>
             <p:cNvSpPr txBox="1"/>
             <p:nvPr/>
           </p:nvSpPr>
@@ -5223,7 +5223,7 @@
         </p:sp>
         <p:sp>
           <p:nvSpPr>
-            <p:cNvPr id="108" name="Ellipse 108"/>
+            <p:cNvPr id="107" name="Ellipse 107"/>
             <p:cNvSpPr/>
             <p:nvPr/>
           </p:nvSpPr>
@@ -5247,7 +5247,7 @@
         </p:sp>
         <p:sp>
           <p:nvSpPr>
-            <p:cNvPr id="109" name="TextBox 109"/>
+            <p:cNvPr id="108" name="TextBox 108"/>
             <p:cNvSpPr txBox="1"/>
             <p:nvPr/>
           </p:nvSpPr>
@@ -5277,7 +5277,7 @@
         </p:sp>
         <p:sp>
           <p:nvSpPr>
-            <p:cNvPr id="110" name="Ellipse 110"/>
+            <p:cNvPr id="109" name="Ellipse 109"/>
             <p:cNvSpPr/>
             <p:nvPr/>
           </p:nvSpPr>
@@ -5301,7 +5301,7 @@
         </p:sp>
         <p:sp>
           <p:nvSpPr>
-            <p:cNvPr id="111" name="TextBox 111"/>
+            <p:cNvPr id="110" name="TextBox 110"/>
             <p:cNvSpPr txBox="1"/>
             <p:nvPr/>
           </p:nvSpPr>
@@ -5331,7 +5331,7 @@
         </p:sp>
         <p:sp>
           <p:nvSpPr>
-            <p:cNvPr id="112" name="Ellipse 112"/>
+            <p:cNvPr id="111" name="Ellipse 111"/>
             <p:cNvSpPr/>
             <p:nvPr/>
           </p:nvSpPr>
@@ -5355,7 +5355,7 @@
         </p:sp>
         <p:sp>
           <p:nvSpPr>
-            <p:cNvPr id="113" name="TextBox 113"/>
+            <p:cNvPr id="112" name="TextBox 112"/>
             <p:cNvSpPr txBox="1"/>
             <p:nvPr/>
           </p:nvSpPr>
@@ -5385,7 +5385,7 @@
         </p:sp>
         <p:sp>
           <p:nvSpPr>
-            <p:cNvPr id="114" name="Ellipse 114"/>
+            <p:cNvPr id="113" name="Ellipse 113"/>
             <p:cNvSpPr/>
             <p:nvPr/>
           </p:nvSpPr>
@@ -5409,7 +5409,7 @@
         </p:sp>
         <p:sp>
           <p:nvSpPr>
-            <p:cNvPr id="115" name="TextBox 115"/>
+            <p:cNvPr id="114" name="TextBox 114"/>
             <p:cNvSpPr txBox="1"/>
             <p:nvPr/>
           </p:nvSpPr>
@@ -5439,7 +5439,7 @@
         </p:sp>
         <p:sp>
           <p:nvSpPr>
-            <p:cNvPr id="116" name="Ellipse 116"/>
+            <p:cNvPr id="115" name="Ellipse 115"/>
             <p:cNvSpPr/>
             <p:nvPr/>
           </p:nvSpPr>
@@ -5463,7 +5463,7 @@
         </p:sp>
         <p:sp>
           <p:nvSpPr>
-            <p:cNvPr id="117" name="TextBox 117"/>
+            <p:cNvPr id="116" name="TextBox 116"/>
             <p:cNvSpPr txBox="1"/>
             <p:nvPr/>
           </p:nvSpPr>
@@ -5493,7 +5493,7 @@
         </p:sp>
         <p:sp>
           <p:nvSpPr>
-            <p:cNvPr id="118" name="Ellipse 118"/>
+            <p:cNvPr id="117" name="Ellipse 117"/>
             <p:cNvSpPr/>
             <p:nvPr/>
           </p:nvSpPr>
@@ -5517,7 +5517,7 @@
         </p:sp>
         <p:sp>
           <p:nvSpPr>
-            <p:cNvPr id="119" name="TextBox 119"/>
+            <p:cNvPr id="118" name="TextBox 118"/>
             <p:cNvSpPr txBox="1"/>
             <p:nvPr/>
           </p:nvSpPr>
@@ -5547,7 +5547,7 @@
         </p:sp>
         <p:sp>
           <p:nvSpPr>
-            <p:cNvPr id="120" name="Ellipse 120"/>
+            <p:cNvPr id="119" name="Ellipse 119"/>
             <p:cNvSpPr/>
             <p:nvPr/>
           </p:nvSpPr>
@@ -5571,7 +5571,7 @@
         </p:sp>
         <p:sp>
           <p:nvSpPr>
-            <p:cNvPr id="121" name="TextBox 121"/>
+            <p:cNvPr id="120" name="TextBox 120"/>
             <p:cNvSpPr txBox="1"/>
             <p:nvPr/>
           </p:nvSpPr>
@@ -5601,7 +5601,7 @@
         </p:sp>
         <p:sp>
           <p:nvSpPr>
-            <p:cNvPr id="122" name="Ellipse 122"/>
+            <p:cNvPr id="121" name="Ellipse 121"/>
             <p:cNvSpPr/>
             <p:nvPr/>
           </p:nvSpPr>
@@ -5625,7 +5625,7 @@
         </p:sp>
         <p:sp>
           <p:nvSpPr>
-            <p:cNvPr id="123" name="TextBox 123"/>
+            <p:cNvPr id="122" name="TextBox 122"/>
             <p:cNvSpPr txBox="1"/>
             <p:nvPr/>
           </p:nvSpPr>
@@ -5655,7 +5655,7 @@
         </p:sp>
         <p:sp>
           <p:nvSpPr>
-            <p:cNvPr id="124" name="Ellipse 124"/>
+            <p:cNvPr id="123" name="Ellipse 123"/>
             <p:cNvSpPr/>
             <p:nvPr/>
           </p:nvSpPr>
@@ -5679,7 +5679,7 @@
         </p:sp>
         <p:sp>
           <p:nvSpPr>
-            <p:cNvPr id="125" name="TextBox 125"/>
+            <p:cNvPr id="124" name="TextBox 124"/>
             <p:cNvSpPr txBox="1"/>
             <p:nvPr/>
           </p:nvSpPr>
@@ -5709,7 +5709,7 @@
         </p:sp>
         <p:sp>
           <p:nvSpPr>
-            <p:cNvPr id="126" name="Ellipse 126"/>
+            <p:cNvPr id="125" name="Ellipse 125"/>
             <p:cNvSpPr/>
             <p:nvPr/>
           </p:nvSpPr>
@@ -5733,7 +5733,7 @@
         </p:sp>
         <p:sp>
           <p:nvSpPr>
-            <p:cNvPr id="127" name="TextBox 127"/>
+            <p:cNvPr id="126" name="TextBox 126"/>
             <p:cNvSpPr txBox="1"/>
             <p:nvPr/>
           </p:nvSpPr>
@@ -5763,7 +5763,7 @@
         </p:sp>
         <p:sp>
           <p:nvSpPr>
-            <p:cNvPr id="128" name="Ellipse 128"/>
+            <p:cNvPr id="127" name="Ellipse 127"/>
             <p:cNvSpPr/>
             <p:nvPr/>
           </p:nvSpPr>
@@ -5787,7 +5787,7 @@
         </p:sp>
         <p:sp>
           <p:nvSpPr>
-            <p:cNvPr id="129" name="TextBox 129"/>
+            <p:cNvPr id="128" name="TextBox 128"/>
             <p:cNvSpPr txBox="1"/>
             <p:nvPr/>
           </p:nvSpPr>
@@ -5817,7 +5817,7 @@
         </p:sp>
         <p:sp>
           <p:nvSpPr>
-            <p:cNvPr id="130" name="Ellipse 130"/>
+            <p:cNvPr id="129" name="Ellipse 129"/>
             <p:cNvSpPr/>
             <p:nvPr/>
           </p:nvSpPr>
@@ -5841,7 +5841,7 @@
         </p:sp>
         <p:sp>
           <p:nvSpPr>
-            <p:cNvPr id="131" name="TextBox 131"/>
+            <p:cNvPr id="130" name="TextBox 130"/>
             <p:cNvSpPr txBox="1"/>
             <p:nvPr/>
           </p:nvSpPr>
@@ -5871,7 +5871,7 @@
         </p:sp>
         <p:sp>
           <p:nvSpPr>
-            <p:cNvPr id="132" name="Ellipse 132"/>
+            <p:cNvPr id="131" name="Ellipse 131"/>
             <p:cNvSpPr/>
             <p:nvPr/>
           </p:nvSpPr>
@@ -5895,7 +5895,7 @@
         </p:sp>
         <p:sp>
           <p:nvSpPr>
-            <p:cNvPr id="133" name="TextBox 133"/>
+            <p:cNvPr id="132" name="TextBox 132"/>
             <p:cNvSpPr txBox="1"/>
             <p:nvPr/>
           </p:nvSpPr>
@@ -5925,7 +5925,7 @@
         </p:sp>
         <p:sp>
           <p:nvSpPr>
-            <p:cNvPr id="134" name="Ellipse 134"/>
+            <p:cNvPr id="133" name="Ellipse 133"/>
             <p:cNvSpPr/>
             <p:nvPr/>
           </p:nvSpPr>
@@ -5949,7 +5949,7 @@
         </p:sp>
         <p:sp>
           <p:nvSpPr>
-            <p:cNvPr id="135" name="TextBox 135"/>
+            <p:cNvPr id="134" name="TextBox 134"/>
             <p:cNvSpPr txBox="1"/>
             <p:nvPr/>
           </p:nvSpPr>
@@ -5979,7 +5979,7 @@
         </p:sp>
         <p:sp>
           <p:nvSpPr>
-            <p:cNvPr id="136" name="Ellipse 136"/>
+            <p:cNvPr id="135" name="Ellipse 135"/>
             <p:cNvSpPr/>
             <p:nvPr/>
           </p:nvSpPr>
@@ -6003,7 +6003,7 @@
         </p:sp>
         <p:sp>
           <p:nvSpPr>
-            <p:cNvPr id="137" name="TextBox 137"/>
+            <p:cNvPr id="136" name="TextBox 136"/>
             <p:cNvSpPr txBox="1"/>
             <p:nvPr/>
           </p:nvSpPr>
@@ -6033,7 +6033,7 @@
         </p:sp>
         <p:sp>
           <p:nvSpPr>
-            <p:cNvPr id="138" name="Ellipse 138"/>
+            <p:cNvPr id="137" name="Ellipse 137"/>
             <p:cNvSpPr/>
             <p:nvPr/>
           </p:nvSpPr>
@@ -6057,7 +6057,7 @@
         </p:sp>
         <p:sp>
           <p:nvSpPr>
-            <p:cNvPr id="139" name="TextBox 139"/>
+            <p:cNvPr id="138" name="TextBox 138"/>
             <p:cNvSpPr txBox="1"/>
             <p:nvPr/>
           </p:nvSpPr>
@@ -6087,7 +6087,7 @@
         </p:sp>
         <p:sp>
           <p:nvSpPr>
-            <p:cNvPr id="140" name="Ellipse 140"/>
+            <p:cNvPr id="139" name="Ellipse 139"/>
             <p:cNvSpPr/>
             <p:nvPr/>
           </p:nvSpPr>
@@ -6111,7 +6111,7 @@
         </p:sp>
         <p:sp>
           <p:nvSpPr>
-            <p:cNvPr id="141" name="TextBox 141"/>
+            <p:cNvPr id="140" name="TextBox 140"/>
             <p:cNvSpPr txBox="1"/>
             <p:nvPr/>
           </p:nvSpPr>
@@ -6141,7 +6141,7 @@
         </p:sp>
         <p:sp>
           <p:nvSpPr>
-            <p:cNvPr id="142" name="Ellipse 142"/>
+            <p:cNvPr id="141" name="Ellipse 141"/>
             <p:cNvSpPr/>
             <p:nvPr/>
           </p:nvSpPr>
@@ -6165,7 +6165,7 @@
         </p:sp>
         <p:sp>
           <p:nvSpPr>
-            <p:cNvPr id="143" name="TextBox 143"/>
+            <p:cNvPr id="142" name="TextBox 142"/>
             <p:cNvSpPr txBox="1"/>
             <p:nvPr/>
           </p:nvSpPr>
@@ -6195,7 +6195,7 @@
         </p:sp>
         <p:sp>
           <p:nvSpPr>
-            <p:cNvPr id="144" name="Ellipse 144"/>
+            <p:cNvPr id="143" name="Ellipse 143"/>
             <p:cNvSpPr/>
             <p:nvPr/>
           </p:nvSpPr>
@@ -6219,7 +6219,7 @@
         </p:sp>
         <p:sp>
           <p:nvSpPr>
-            <p:cNvPr id="145" name="TextBox 145"/>
+            <p:cNvPr id="144" name="TextBox 144"/>
             <p:cNvSpPr txBox="1"/>
             <p:nvPr/>
           </p:nvSpPr>
@@ -6249,7 +6249,7 @@
         </p:sp>
         <p:sp>
           <p:nvSpPr>
-            <p:cNvPr id="146" name="Ellipse 146"/>
+            <p:cNvPr id="145" name="Ellipse 145"/>
             <p:cNvSpPr/>
             <p:nvPr/>
           </p:nvSpPr>
@@ -6273,7 +6273,7 @@
         </p:sp>
         <p:sp>
           <p:nvSpPr>
-            <p:cNvPr id="147" name="TextBox 147"/>
+            <p:cNvPr id="146" name="TextBox 146"/>
             <p:cNvSpPr txBox="1"/>
             <p:nvPr/>
           </p:nvSpPr>
@@ -6304,7 +6304,7 @@
       </p:grpSp>
       <p:sp>
         <p:nvSpPr>
-          <p:cNvPr id="148" name="TextBox 148"/>
+          <p:cNvPr id="147" name="TextBox 147"/>
           <p:cNvSpPr txBox="1"/>
           <p:nvPr/>
         </p:nvSpPr>
@@ -6334,7 +6334,7 @@
       </p:sp>
       <p:sp>
         <p:nvSpPr>
-          <p:cNvPr id="149" name="TextBox 149"/>
+          <p:cNvPr id="148" name="TextBox 148"/>
           <p:cNvSpPr txBox="1"/>
           <p:nvPr/>
         </p:nvSpPr>
@@ -6381,7 +6381,7 @@
     </p:spTree>
     <p:extLst>
       <p:ext uri="{BB962C8B-B14F-4D97-AF65-F5344CB8AC3E}">
-        <ns2:creationId val="3791754821"/>
+        <p14:creationId xmlns:p14="http://schemas.microsoft.com/office/powerpoint/2010/main" val="3791754821"/>
       </p:ext>
     </p:extLst>
   </p:cSld>
@@ -6392,7 +6392,7 @@
 </file>
 
 <file path=ppt/slides/slide10.xml><?xml version="1.0" encoding="utf-8"?>
-<p:sld xmlns:a="http://schemas.openxmlformats.org/drawingml/2006/main" xmlns:ns2="http://schemas.microsoft.com/office/powerpoint/2010/main" xmlns:p="http://schemas.openxmlformats.org/presentationml/2006/main">
+<p:sld xmlns:a="http://schemas.openxmlformats.org/drawingml/2006/main" xmlns:r="http://schemas.openxmlformats.org/officeDocument/2006/relationships" xmlns:p="http://schemas.openxmlformats.org/presentationml/2006/main">
   <p:cSld>
     <p:spTree>
       <p:nvGrpSpPr>
@@ -6411,7 +6411,7 @@
     </p:spTree>
     <p:extLst>
       <p:ext uri="{BB962C8B-B14F-4D97-AF65-F5344CB8AC3E}">
-        <ns2:creationId val="3666555843"/>
+        <p14:creationId xmlns:p14="http://schemas.microsoft.com/office/powerpoint/2010/main" val="3666555843"/>
       </p:ext>
     </p:extLst>
   </p:cSld>
@@ -6422,7 +6422,7 @@
 </file>
 
 <file path=ppt/slides/slide2.xml><?xml version="1.0" encoding="utf-8"?>
-<p:sld xmlns:a="http://schemas.openxmlformats.org/drawingml/2006/main" xmlns:ns2="http://schemas.microsoft.com/office/powerpoint/2010/main" xmlns:p="http://schemas.openxmlformats.org/presentationml/2006/main">
+<p:sld xmlns:a="http://schemas.openxmlformats.org/drawingml/2006/main" xmlns:r="http://schemas.openxmlformats.org/officeDocument/2006/relationships" xmlns:p="http://schemas.openxmlformats.org/presentationml/2006/main">
   <p:cSld>
     <p:spTree>
       <p:nvGrpSpPr>
@@ -6441,7 +6441,7 @@
     </p:spTree>
     <p:extLst>
       <p:ext uri="{BB962C8B-B14F-4D97-AF65-F5344CB8AC3E}">
-        <ns2:creationId val="3158598052"/>
+        <p14:creationId xmlns:p14="http://schemas.microsoft.com/office/powerpoint/2010/main" val="3158598052"/>
       </p:ext>
     </p:extLst>
   </p:cSld>
@@ -6452,7 +6452,7 @@
 </file>
 
 <file path=ppt/slides/slide3.xml><?xml version="1.0" encoding="utf-8"?>
-<p:sld xmlns:a="http://schemas.openxmlformats.org/drawingml/2006/main" xmlns:ns2="http://schemas.microsoft.com/office/powerpoint/2010/main" xmlns:p="http://schemas.openxmlformats.org/presentationml/2006/main">
+<p:sld xmlns:a="http://schemas.openxmlformats.org/drawingml/2006/main" xmlns:r="http://schemas.openxmlformats.org/officeDocument/2006/relationships" xmlns:p="http://schemas.openxmlformats.org/presentationml/2006/main">
   <p:cSld>
     <p:spTree>
       <p:nvGrpSpPr>
@@ -6471,7 +6471,7 @@
     </p:spTree>
     <p:extLst>
       <p:ext uri="{BB962C8B-B14F-4D97-AF65-F5344CB8AC3E}">
-        <ns2:creationId val="844204438"/>
+        <p14:creationId xmlns:p14="http://schemas.microsoft.com/office/powerpoint/2010/main" val="844204438"/>
       </p:ext>
     </p:extLst>
   </p:cSld>
@@ -6482,7 +6482,7 @@
 </file>
 
 <file path=ppt/slides/slide4.xml><?xml version="1.0" encoding="utf-8"?>
-<p:sld xmlns:a="http://schemas.openxmlformats.org/drawingml/2006/main" xmlns:ns2="http://schemas.microsoft.com/office/powerpoint/2010/main" xmlns:p="http://schemas.openxmlformats.org/presentationml/2006/main">
+<p:sld xmlns:a="http://schemas.openxmlformats.org/drawingml/2006/main" xmlns:r="http://schemas.openxmlformats.org/officeDocument/2006/relationships" xmlns:p="http://schemas.openxmlformats.org/presentationml/2006/main">
   <p:cSld>
     <p:spTree>
       <p:nvGrpSpPr>
@@ -6501,7 +6501,7 @@
     </p:spTree>
     <p:extLst>
       <p:ext uri="{BB962C8B-B14F-4D97-AF65-F5344CB8AC3E}">
-        <ns2:creationId val="3860706294"/>
+        <p14:creationId xmlns:p14="http://schemas.microsoft.com/office/powerpoint/2010/main" val="3860706294"/>
       </p:ext>
     </p:extLst>
   </p:cSld>
@@ -6512,7 +6512,7 @@
 </file>
 
 <file path=ppt/slides/slide5.xml><?xml version="1.0" encoding="utf-8"?>
-<p:sld xmlns:a="http://schemas.openxmlformats.org/drawingml/2006/main" xmlns:ns2="http://schemas.microsoft.com/office/powerpoint/2010/main" xmlns:p="http://schemas.openxmlformats.org/presentationml/2006/main">
+<p:sld xmlns:a="http://schemas.openxmlformats.org/drawingml/2006/main" xmlns:r="http://schemas.openxmlformats.org/officeDocument/2006/relationships" xmlns:p="http://schemas.openxmlformats.org/presentationml/2006/main">
   <p:cSld>
     <p:spTree>
       <p:nvGrpSpPr>
@@ -6531,7 +6531,7 @@
     </p:spTree>
     <p:extLst>
       <p:ext uri="{BB962C8B-B14F-4D97-AF65-F5344CB8AC3E}">
-        <ns2:creationId val="658792839"/>
+        <p14:creationId xmlns:p14="http://schemas.microsoft.com/office/powerpoint/2010/main" val="658792839"/>
       </p:ext>
     </p:extLst>
   </p:cSld>
@@ -6542,7 +6542,7 @@
 </file>
 
 <file path=ppt/slides/slide6.xml><?xml version="1.0" encoding="utf-8"?>
-<p:sld xmlns:a="http://schemas.openxmlformats.org/drawingml/2006/main" xmlns:ns2="http://schemas.microsoft.com/office/powerpoint/2010/main" xmlns:p="http://schemas.openxmlformats.org/presentationml/2006/main">
+<p:sld xmlns:a="http://schemas.openxmlformats.org/drawingml/2006/main" xmlns:r="http://schemas.openxmlformats.org/officeDocument/2006/relationships" xmlns:p="http://schemas.openxmlformats.org/presentationml/2006/main">
   <p:cSld>
     <p:spTree>
       <p:nvGrpSpPr>
@@ -6561,7 +6561,7 @@
     </p:spTree>
     <p:extLst>
       <p:ext uri="{BB962C8B-B14F-4D97-AF65-F5344CB8AC3E}">
-        <ns2:creationId val="1209073116"/>
+        <p14:creationId xmlns:p14="http://schemas.microsoft.com/office/powerpoint/2010/main" val="1209073116"/>
       </p:ext>
     </p:extLst>
   </p:cSld>
@@ -6572,7 +6572,7 @@
 </file>
 
 <file path=ppt/slides/slide7.xml><?xml version="1.0" encoding="utf-8"?>
-<p:sld xmlns:a="http://schemas.openxmlformats.org/drawingml/2006/main" xmlns:ns2="http://schemas.microsoft.com/office/powerpoint/2010/main" xmlns:p="http://schemas.openxmlformats.org/presentationml/2006/main">
+<p:sld xmlns:a="http://schemas.openxmlformats.org/drawingml/2006/main" xmlns:r="http://schemas.openxmlformats.org/officeDocument/2006/relationships" xmlns:p="http://schemas.openxmlformats.org/presentationml/2006/main">
   <p:cSld>
     <p:spTree>
       <p:nvGrpSpPr>
@@ -6591,7 +6591,7 @@
     </p:spTree>
     <p:extLst>
       <p:ext uri="{BB962C8B-B14F-4D97-AF65-F5344CB8AC3E}">
-        <ns2:creationId val="3404502129"/>
+        <p14:creationId xmlns:p14="http://schemas.microsoft.com/office/powerpoint/2010/main" val="3404502129"/>
       </p:ext>
     </p:extLst>
   </p:cSld>
@@ -6602,7 +6602,7 @@
 </file>
 
 <file path=ppt/slides/slide8.xml><?xml version="1.0" encoding="utf-8"?>
-<p:sld xmlns:a="http://schemas.openxmlformats.org/drawingml/2006/main" xmlns:ns2="http://schemas.microsoft.com/office/powerpoint/2010/main" xmlns:p="http://schemas.openxmlformats.org/presentationml/2006/main">
+<p:sld xmlns:a="http://schemas.openxmlformats.org/drawingml/2006/main" xmlns:r="http://schemas.openxmlformats.org/officeDocument/2006/relationships" xmlns:p="http://schemas.openxmlformats.org/presentationml/2006/main">
   <p:cSld>
     <p:spTree>
       <p:nvGrpSpPr>
@@ -6621,7 +6621,7 @@
     </p:spTree>
     <p:extLst>
       <p:ext uri="{BB962C8B-B14F-4D97-AF65-F5344CB8AC3E}">
-        <ns2:creationId val="3471118123"/>
+        <p14:creationId xmlns:p14="http://schemas.microsoft.com/office/powerpoint/2010/main" val="3471118123"/>
       </p:ext>
     </p:extLst>
   </p:cSld>
@@ -6632,7 +6632,7 @@
 </file>
 
 <file path=ppt/slides/slide9.xml><?xml version="1.0" encoding="utf-8"?>
-<p:sld xmlns:a="http://schemas.openxmlformats.org/drawingml/2006/main" xmlns:ns2="http://schemas.microsoft.com/office/powerpoint/2010/main" xmlns:p="http://schemas.openxmlformats.org/presentationml/2006/main">
+<p:sld xmlns:a="http://schemas.openxmlformats.org/drawingml/2006/main" xmlns:r="http://schemas.openxmlformats.org/officeDocument/2006/relationships" xmlns:p="http://schemas.openxmlformats.org/presentationml/2006/main">
   <p:cSld>
     <p:spTree>
       <p:nvGrpSpPr>
@@ -6651,7 +6651,7 @@
     </p:spTree>
     <p:extLst>
       <p:ext uri="{BB962C8B-B14F-4D97-AF65-F5344CB8AC3E}">
-        <ns2:creationId val="2053238581"/>
+        <p14:creationId xmlns:p14="http://schemas.microsoft.com/office/powerpoint/2010/main" val="2053238581"/>
       </p:ext>
     </p:extLst>
   </p:cSld>
